--- a/分享.pptx
+++ b/分享.pptx
@@ -7,11 +7,10 @@
   <p:sldIdLst>
     <p:sldId id="256" r:id="rId2"/>
     <p:sldId id="258" r:id="rId3"/>
-    <p:sldId id="257" r:id="rId4"/>
-    <p:sldId id="259" r:id="rId5"/>
+    <p:sldId id="259" r:id="rId4"/>
+    <p:sldId id="257" r:id="rId5"/>
     <p:sldId id="260" r:id="rId6"/>
-    <p:sldId id="261" r:id="rId7"/>
-    <p:sldId id="262" r:id="rId8"/>
+    <p:sldId id="262" r:id="rId7"/>
   </p:sldIdLst>
   <p:sldSz cx="12192000" cy="6858000"/>
   <p:notesSz cx="6858000" cy="9144000"/>
@@ -110,6 +109,11 @@
       </a:defRPr>
     </a:lvl9pPr>
   </p:defaultTextStyle>
+  <p:extLst>
+    <p:ext uri="{EFAFB233-063F-42B5-8137-9DF3F51BA10A}">
+      <p15:sldGuideLst xmlns:p15="http://schemas.microsoft.com/office/powerpoint/2012/main"/>
+    </p:ext>
+  </p:extLst>
 </p:presentation>
 </file>
 
@@ -260,7 +264,7 @@
           <a:p>
             <a:fld id="{B6BA43F4-92D6-0445-8A42-F0B8A95BBD99}" type="datetimeFigureOut">
               <a:rPr kumimoji="1" lang="zh-CN" altLang="en-US" smtClean="0"/>
-              <a:t>2020/11/15</a:t>
+              <a:t>2020/11/22</a:t>
             </a:fld>
             <a:endParaRPr kumimoji="1" lang="zh-CN" altLang="en-US"/>
           </a:p>
@@ -458,7 +462,7 @@
           <a:p>
             <a:fld id="{B6BA43F4-92D6-0445-8A42-F0B8A95BBD99}" type="datetimeFigureOut">
               <a:rPr kumimoji="1" lang="zh-CN" altLang="en-US" smtClean="0"/>
-              <a:t>2020/11/15</a:t>
+              <a:t>2020/11/22</a:t>
             </a:fld>
             <a:endParaRPr kumimoji="1" lang="zh-CN" altLang="en-US"/>
           </a:p>
@@ -666,7 +670,7 @@
           <a:p>
             <a:fld id="{B6BA43F4-92D6-0445-8A42-F0B8A95BBD99}" type="datetimeFigureOut">
               <a:rPr kumimoji="1" lang="zh-CN" altLang="en-US" smtClean="0"/>
-              <a:t>2020/11/15</a:t>
+              <a:t>2020/11/22</a:t>
             </a:fld>
             <a:endParaRPr kumimoji="1" lang="zh-CN" altLang="en-US"/>
           </a:p>
@@ -864,7 +868,7 @@
           <a:p>
             <a:fld id="{B6BA43F4-92D6-0445-8A42-F0B8A95BBD99}" type="datetimeFigureOut">
               <a:rPr kumimoji="1" lang="zh-CN" altLang="en-US" smtClean="0"/>
-              <a:t>2020/11/15</a:t>
+              <a:t>2020/11/22</a:t>
             </a:fld>
             <a:endParaRPr kumimoji="1" lang="zh-CN" altLang="en-US"/>
           </a:p>
@@ -1139,7 +1143,7 @@
           <a:p>
             <a:fld id="{B6BA43F4-92D6-0445-8A42-F0B8A95BBD99}" type="datetimeFigureOut">
               <a:rPr kumimoji="1" lang="zh-CN" altLang="en-US" smtClean="0"/>
-              <a:t>2020/11/15</a:t>
+              <a:t>2020/11/22</a:t>
             </a:fld>
             <a:endParaRPr kumimoji="1" lang="zh-CN" altLang="en-US"/>
           </a:p>
@@ -1404,7 +1408,7 @@
           <a:p>
             <a:fld id="{B6BA43F4-92D6-0445-8A42-F0B8A95BBD99}" type="datetimeFigureOut">
               <a:rPr kumimoji="1" lang="zh-CN" altLang="en-US" smtClean="0"/>
-              <a:t>2020/11/15</a:t>
+              <a:t>2020/11/22</a:t>
             </a:fld>
             <a:endParaRPr kumimoji="1" lang="zh-CN" altLang="en-US"/>
           </a:p>
@@ -1816,7 +1820,7 @@
           <a:p>
             <a:fld id="{B6BA43F4-92D6-0445-8A42-F0B8A95BBD99}" type="datetimeFigureOut">
               <a:rPr kumimoji="1" lang="zh-CN" altLang="en-US" smtClean="0"/>
-              <a:t>2020/11/15</a:t>
+              <a:t>2020/11/22</a:t>
             </a:fld>
             <a:endParaRPr kumimoji="1" lang="zh-CN" altLang="en-US"/>
           </a:p>
@@ -1957,7 +1961,7 @@
           <a:p>
             <a:fld id="{B6BA43F4-92D6-0445-8A42-F0B8A95BBD99}" type="datetimeFigureOut">
               <a:rPr kumimoji="1" lang="zh-CN" altLang="en-US" smtClean="0"/>
-              <a:t>2020/11/15</a:t>
+              <a:t>2020/11/22</a:t>
             </a:fld>
             <a:endParaRPr kumimoji="1" lang="zh-CN" altLang="en-US"/>
           </a:p>
@@ -2070,7 +2074,7 @@
           <a:p>
             <a:fld id="{B6BA43F4-92D6-0445-8A42-F0B8A95BBD99}" type="datetimeFigureOut">
               <a:rPr kumimoji="1" lang="zh-CN" altLang="en-US" smtClean="0"/>
-              <a:t>2020/11/15</a:t>
+              <a:t>2020/11/22</a:t>
             </a:fld>
             <a:endParaRPr kumimoji="1" lang="zh-CN" altLang="en-US"/>
           </a:p>
@@ -2381,7 +2385,7 @@
           <a:p>
             <a:fld id="{B6BA43F4-92D6-0445-8A42-F0B8A95BBD99}" type="datetimeFigureOut">
               <a:rPr kumimoji="1" lang="zh-CN" altLang="en-US" smtClean="0"/>
-              <a:t>2020/11/15</a:t>
+              <a:t>2020/11/22</a:t>
             </a:fld>
             <a:endParaRPr kumimoji="1" lang="zh-CN" altLang="en-US"/>
           </a:p>
@@ -2669,7 +2673,7 @@
           <a:p>
             <a:fld id="{B6BA43F4-92D6-0445-8A42-F0B8A95BBD99}" type="datetimeFigureOut">
               <a:rPr kumimoji="1" lang="zh-CN" altLang="en-US" smtClean="0"/>
-              <a:t>2020/11/15</a:t>
+              <a:t>2020/11/22</a:t>
             </a:fld>
             <a:endParaRPr kumimoji="1" lang="zh-CN" altLang="en-US"/>
           </a:p>
@@ -2910,7 +2914,7 @@
           <a:p>
             <a:fld id="{B6BA43F4-92D6-0445-8A42-F0B8A95BBD99}" type="datetimeFigureOut">
               <a:rPr kumimoji="1" lang="zh-CN" altLang="en-US" smtClean="0"/>
-              <a:t>2020/11/15</a:t>
+              <a:t>2020/11/22</a:t>
             </a:fld>
             <a:endParaRPr kumimoji="1" lang="zh-CN" altLang="en-US"/>
           </a:p>
@@ -3431,48 +3435,154 @@
           <a:bodyPr/>
           <a:lstStyle/>
           <a:p>
-            <a:endParaRPr kumimoji="1" lang="zh-CN" altLang="en-US" dirty="0"/>
-          </a:p>
-        </p:txBody>
-      </p:sp>
-      <p:sp>
-        <p:nvSpPr>
-          <p:cNvPr id="3" name="内容占位符 2">
-            <a:extLst>
-              <a:ext uri="{FF2B5EF4-FFF2-40B4-BE49-F238E27FC236}">
-                <a16:creationId xmlns:a16="http://schemas.microsoft.com/office/drawing/2014/main" id="{62D0F8BD-17F3-4F43-801C-CF85C610609E}"/>
-              </a:ext>
-            </a:extLst>
-          </p:cNvPr>
-          <p:cNvSpPr>
-            <a:spLocks noGrp="1"/>
-          </p:cNvSpPr>
-          <p:nvPr>
-            <p:ph idx="1"/>
-          </p:nvPr>
-        </p:nvSpPr>
-        <p:spPr/>
-        <p:txBody>
-          <a:bodyPr/>
-          <a:lstStyle/>
-          <a:p>
             <a:r>
               <a:rPr kumimoji="1" lang="zh-CN" altLang="en-US" dirty="0"/>
               <a:t>创建对象的几种方式</a:t>
             </a:r>
+          </a:p>
+        </p:txBody>
+      </p:sp>
+      <p:sp>
+        <p:nvSpPr>
+          <p:cNvPr id="3" name="内容占位符 2">
+            <a:extLst>
+              <a:ext uri="{FF2B5EF4-FFF2-40B4-BE49-F238E27FC236}">
+                <a16:creationId xmlns:a16="http://schemas.microsoft.com/office/drawing/2014/main" id="{62D0F8BD-17F3-4F43-801C-CF85C610609E}"/>
+              </a:ext>
+            </a:extLst>
+          </p:cNvPr>
+          <p:cNvSpPr>
+            <a:spLocks noGrp="1"/>
+          </p:cNvSpPr>
+          <p:nvPr>
+            <p:ph idx="1"/>
+          </p:nvPr>
+        </p:nvSpPr>
+        <p:spPr/>
+        <p:txBody>
+          <a:bodyPr/>
+          <a:lstStyle/>
+          <a:p>
+            <a:r>
+              <a:rPr kumimoji="1" lang="en-US" altLang="zh-CN" dirty="0"/>
+              <a:t>let</a:t>
+            </a:r>
+            <a:r>
+              <a:rPr kumimoji="1" lang="zh-CN" altLang="en-US" dirty="0"/>
+              <a:t> </a:t>
+            </a:r>
+            <a:r>
+              <a:rPr kumimoji="1" lang="en-US" altLang="zh-CN" dirty="0"/>
+              <a:t>obj</a:t>
+            </a:r>
+            <a:r>
+              <a:rPr kumimoji="1" lang="zh-CN" altLang="en-US" dirty="0"/>
+              <a:t> </a:t>
+            </a:r>
+            <a:r>
+              <a:rPr kumimoji="1" lang="en-US" altLang="zh-CN" dirty="0"/>
+              <a:t>=</a:t>
+            </a:r>
+            <a:r>
+              <a:rPr kumimoji="1" lang="zh-CN" altLang="en-US" dirty="0"/>
+              <a:t> </a:t>
+            </a:r>
+            <a:r>
+              <a:rPr kumimoji="1" lang="en-US" altLang="zh-CN" dirty="0"/>
+              <a:t>{}</a:t>
+            </a:r>
+            <a:r>
+              <a:rPr kumimoji="1" lang="zh-CN" altLang="en-US" dirty="0"/>
+              <a:t>  </a:t>
+            </a:r>
+            <a:r>
+              <a:rPr kumimoji="1" lang="en-US" altLang="zh-CN" dirty="0"/>
+              <a:t>let</a:t>
+            </a:r>
+            <a:r>
+              <a:rPr kumimoji="1" lang="zh-CN" altLang="en-US" dirty="0"/>
+              <a:t> </a:t>
+            </a:r>
+            <a:r>
+              <a:rPr kumimoji="1" lang="en-US" altLang="zh-CN" dirty="0"/>
+              <a:t>obj2</a:t>
+            </a:r>
+            <a:r>
+              <a:rPr kumimoji="1" lang="zh-CN" altLang="en-US" dirty="0"/>
+              <a:t> </a:t>
+            </a:r>
+            <a:r>
+              <a:rPr kumimoji="1" lang="en-US" altLang="zh-CN" dirty="0"/>
+              <a:t>=</a:t>
+            </a:r>
+            <a:r>
+              <a:rPr kumimoji="1" lang="zh-CN" altLang="en-US" dirty="0"/>
+              <a:t> </a:t>
+            </a:r>
+            <a:r>
+              <a:rPr kumimoji="1" lang="en-US" altLang="zh-CN" dirty="0"/>
+              <a:t>new</a:t>
+            </a:r>
+            <a:r>
+              <a:rPr kumimoji="1" lang="zh-CN" altLang="en-US" dirty="0"/>
+              <a:t> </a:t>
+            </a:r>
+            <a:r>
+              <a:rPr kumimoji="1" lang="en-US" altLang="zh-CN" dirty="0"/>
+              <a:t>Object()</a:t>
+            </a:r>
+            <a:r>
+              <a:rPr kumimoji="1" lang="zh-CN" altLang="en-US" dirty="0"/>
+              <a:t> </a:t>
+            </a:r>
             <a:endParaRPr kumimoji="1" lang="en-US" altLang="zh-CN" dirty="0"/>
           </a:p>
           <a:p>
             <a:r>
               <a:rPr kumimoji="1" lang="zh-CN" altLang="en-US" dirty="0"/>
-              <a:t>原型 原型链</a:t>
+              <a:t>工厂函数</a:t>
             </a:r>
             <a:endParaRPr kumimoji="1" lang="en-US" altLang="zh-CN" dirty="0"/>
           </a:p>
           <a:p>
             <a:r>
               <a:rPr kumimoji="1" lang="zh-CN" altLang="en-US" dirty="0"/>
-              <a:t>继承</a:t>
+              <a:t>构造函数</a:t>
+            </a:r>
+            <a:endParaRPr kumimoji="1" lang="en-US" altLang="zh-CN" dirty="0"/>
+          </a:p>
+          <a:p>
+            <a:r>
+              <a:rPr kumimoji="1" lang="zh-CN" altLang="en-US" dirty="0"/>
+              <a:t>原型模式</a:t>
+            </a:r>
+            <a:endParaRPr kumimoji="1" lang="en-US" altLang="zh-CN" dirty="0"/>
+          </a:p>
+          <a:p>
+            <a:r>
+              <a:rPr kumimoji="1" lang="zh-CN" altLang="en-US" dirty="0"/>
+              <a:t>组合使用构造函数和原型模式</a:t>
+            </a:r>
+            <a:endParaRPr kumimoji="1" lang="en-US" altLang="zh-CN" dirty="0"/>
+          </a:p>
+          <a:p>
+            <a:r>
+              <a:rPr kumimoji="1" lang="zh-CN" altLang="en-US" dirty="0"/>
+              <a:t>动态原型模式</a:t>
+            </a:r>
+            <a:endParaRPr kumimoji="1" lang="en-US" altLang="zh-CN" dirty="0"/>
+          </a:p>
+          <a:p>
+            <a:r>
+              <a:rPr kumimoji="1" lang="zh-CN" altLang="en-US" dirty="0"/>
+              <a:t>寄生构造函数模式</a:t>
+            </a:r>
+            <a:endParaRPr kumimoji="1" lang="en-US" altLang="zh-CN" dirty="0"/>
+          </a:p>
+          <a:p>
+            <a:r>
+              <a:rPr kumimoji="1" lang="zh-CN" altLang="en-US" dirty="0"/>
+              <a:t>稳妥构造函数模式</a:t>
             </a:r>
             <a:endParaRPr kumimoji="1" lang="en-US" altLang="zh-CN" dirty="0"/>
           </a:p>
@@ -3519,89 +3629,6 @@
           <p:cNvPr id="2" name="标题 1">
             <a:extLst>
               <a:ext uri="{FF2B5EF4-FFF2-40B4-BE49-F238E27FC236}">
-                <a16:creationId xmlns:a16="http://schemas.microsoft.com/office/drawing/2014/main" id="{5B04E885-D7FC-4641-9DE0-B8595F6E36C6}"/>
-              </a:ext>
-            </a:extLst>
-          </p:cNvPr>
-          <p:cNvSpPr>
-            <a:spLocks noGrp="1"/>
-          </p:cNvSpPr>
-          <p:nvPr>
-            <p:ph type="title"/>
-          </p:nvPr>
-        </p:nvSpPr>
-        <p:spPr/>
-        <p:txBody>
-          <a:bodyPr/>
-          <a:lstStyle/>
-          <a:p>
-            <a:r>
-              <a:rPr kumimoji="1" lang="zh-CN" altLang="en-US" dirty="0"/>
-              <a:t>创建对象的几种方式</a:t>
-            </a:r>
-          </a:p>
-        </p:txBody>
-      </p:sp>
-      <p:sp>
-        <p:nvSpPr>
-          <p:cNvPr id="3" name="内容占位符 2">
-            <a:extLst>
-              <a:ext uri="{FF2B5EF4-FFF2-40B4-BE49-F238E27FC236}">
-                <a16:creationId xmlns:a16="http://schemas.microsoft.com/office/drawing/2014/main" id="{5B1A0B29-09EE-2D41-99D0-11E8C621E148}"/>
-              </a:ext>
-            </a:extLst>
-          </p:cNvPr>
-          <p:cNvSpPr>
-            <a:spLocks noGrp="1"/>
-          </p:cNvSpPr>
-          <p:nvPr>
-            <p:ph idx="1"/>
-          </p:nvPr>
-        </p:nvSpPr>
-        <p:spPr/>
-        <p:txBody>
-          <a:bodyPr/>
-          <a:lstStyle/>
-          <a:p>
-            <a:endParaRPr kumimoji="1" lang="zh-CN" altLang="en-US" dirty="0"/>
-          </a:p>
-        </p:txBody>
-      </p:sp>
-    </p:spTree>
-    <p:extLst>
-      <p:ext uri="{BB962C8B-B14F-4D97-AF65-F5344CB8AC3E}">
-        <p14:creationId xmlns:p14="http://schemas.microsoft.com/office/powerpoint/2010/main" val="1200907353"/>
-      </p:ext>
-    </p:extLst>
-  </p:cSld>
-  <p:clrMapOvr>
-    <a:masterClrMapping/>
-  </p:clrMapOvr>
-</p:sld>
-</file>
-
-<file path=ppt/slides/slide4.xml><?xml version="1.0" encoding="utf-8"?>
-<p:sld xmlns:a="http://schemas.openxmlformats.org/drawingml/2006/main" xmlns:r="http://schemas.openxmlformats.org/officeDocument/2006/relationships" xmlns:p="http://schemas.openxmlformats.org/presentationml/2006/main">
-  <p:cSld>
-    <p:spTree>
-      <p:nvGrpSpPr>
-        <p:cNvPr id="1" name=""/>
-        <p:cNvGrpSpPr/>
-        <p:nvPr/>
-      </p:nvGrpSpPr>
-      <p:grpSpPr>
-        <a:xfrm>
-          <a:off x="0" y="0"/>
-          <a:ext cx="0" cy="0"/>
-          <a:chOff x="0" y="0"/>
-          <a:chExt cx="0" cy="0"/>
-        </a:xfrm>
-      </p:grpSpPr>
-      <p:sp>
-        <p:nvSpPr>
-          <p:cNvPr id="2" name="标题 1">
-            <a:extLst>
-              <a:ext uri="{FF2B5EF4-FFF2-40B4-BE49-F238E27FC236}">
                 <a16:creationId xmlns:a16="http://schemas.microsoft.com/office/drawing/2014/main" id="{19B3FE35-31B9-F14A-AB54-472FBBC95282}"/>
               </a:ext>
             </a:extLst>
@@ -3667,6 +3694,127 @@
 </p:sld>
 </file>
 
+<file path=ppt/slides/slide4.xml><?xml version="1.0" encoding="utf-8"?>
+<p:sld xmlns:a="http://schemas.openxmlformats.org/drawingml/2006/main" xmlns:r="http://schemas.openxmlformats.org/officeDocument/2006/relationships" xmlns:p="http://schemas.openxmlformats.org/presentationml/2006/main">
+  <p:cSld>
+    <p:spTree>
+      <p:nvGrpSpPr>
+        <p:cNvPr id="1" name=""/>
+        <p:cNvGrpSpPr/>
+        <p:nvPr/>
+      </p:nvGrpSpPr>
+      <p:grpSpPr>
+        <a:xfrm>
+          <a:off x="0" y="0"/>
+          <a:ext cx="0" cy="0"/>
+          <a:chOff x="0" y="0"/>
+          <a:chExt cx="0" cy="0"/>
+        </a:xfrm>
+      </p:grpSpPr>
+      <p:sp>
+        <p:nvSpPr>
+          <p:cNvPr id="2" name="标题 1">
+            <a:extLst>
+              <a:ext uri="{FF2B5EF4-FFF2-40B4-BE49-F238E27FC236}">
+                <a16:creationId xmlns:a16="http://schemas.microsoft.com/office/drawing/2014/main" id="{5B04E885-D7FC-4641-9DE0-B8595F6E36C6}"/>
+              </a:ext>
+            </a:extLst>
+          </p:cNvPr>
+          <p:cNvSpPr>
+            <a:spLocks noGrp="1"/>
+          </p:cNvSpPr>
+          <p:nvPr>
+            <p:ph type="title"/>
+          </p:nvPr>
+        </p:nvSpPr>
+        <p:spPr/>
+        <p:txBody>
+          <a:bodyPr/>
+          <a:lstStyle/>
+          <a:p>
+            <a:r>
+              <a:rPr kumimoji="1" lang="zh-CN" altLang="en-US" dirty="0"/>
+              <a:t>继承的几种方式</a:t>
+            </a:r>
+          </a:p>
+        </p:txBody>
+      </p:sp>
+      <p:sp>
+        <p:nvSpPr>
+          <p:cNvPr id="3" name="内容占位符 2">
+            <a:extLst>
+              <a:ext uri="{FF2B5EF4-FFF2-40B4-BE49-F238E27FC236}">
+                <a16:creationId xmlns:a16="http://schemas.microsoft.com/office/drawing/2014/main" id="{5B1A0B29-09EE-2D41-99D0-11E8C621E148}"/>
+              </a:ext>
+            </a:extLst>
+          </p:cNvPr>
+          <p:cNvSpPr>
+            <a:spLocks noGrp="1"/>
+          </p:cNvSpPr>
+          <p:nvPr>
+            <p:ph idx="1"/>
+          </p:nvPr>
+        </p:nvSpPr>
+        <p:spPr/>
+        <p:txBody>
+          <a:bodyPr/>
+          <a:lstStyle/>
+          <a:p>
+            <a:r>
+              <a:rPr kumimoji="1" lang="zh-CN" altLang="en-US" dirty="0"/>
+              <a:t>原型链继承</a:t>
+            </a:r>
+            <a:endParaRPr kumimoji="1" lang="en-US" altLang="zh-CN" dirty="0"/>
+          </a:p>
+          <a:p>
+            <a:r>
+              <a:rPr kumimoji="1" lang="zh-CN" altLang="en-US" dirty="0"/>
+              <a:t>构造函数继承</a:t>
+            </a:r>
+            <a:endParaRPr kumimoji="1" lang="en-US" altLang="zh-CN" dirty="0"/>
+          </a:p>
+          <a:p>
+            <a:r>
+              <a:rPr kumimoji="1" lang="zh-CN" altLang="en-US" dirty="0"/>
+              <a:t>组合继承</a:t>
+            </a:r>
+            <a:endParaRPr kumimoji="1" lang="en-US" altLang="zh-CN" dirty="0"/>
+          </a:p>
+          <a:p>
+            <a:r>
+              <a:rPr kumimoji="1" lang="zh-CN" altLang="en-US" dirty="0"/>
+              <a:t>原型式继承</a:t>
+            </a:r>
+            <a:endParaRPr kumimoji="1" lang="en-US" altLang="zh-CN" dirty="0"/>
+          </a:p>
+          <a:p>
+            <a:r>
+              <a:rPr kumimoji="1" lang="zh-CN" altLang="en-US" dirty="0"/>
+              <a:t>寄生式继承</a:t>
+            </a:r>
+            <a:endParaRPr kumimoji="1" lang="en-US" altLang="zh-CN" dirty="0"/>
+          </a:p>
+          <a:p>
+            <a:r>
+              <a:rPr kumimoji="1" lang="zh-CN" altLang="en-US" dirty="0"/>
+              <a:t>组合寄生继承</a:t>
+            </a:r>
+          </a:p>
+        </p:txBody>
+      </p:sp>
+    </p:spTree>
+    <p:extLst>
+      <p:ext uri="{BB962C8B-B14F-4D97-AF65-F5344CB8AC3E}">
+        <p14:creationId xmlns:p14="http://schemas.microsoft.com/office/powerpoint/2010/main" val="1200907353"/>
+      </p:ext>
+    </p:extLst>
+  </p:cSld>
+  <p:clrMapOvr>
+    <a:masterClrMapping/>
+  </p:clrMapOvr>
+</p:sld>
+</file>
+
 <file path=ppt/slides/slide5.xml><?xml version="1.0" encoding="utf-8"?>
 <p:sld xmlns:a="http://schemas.openxmlformats.org/drawingml/2006/main" xmlns:r="http://schemas.openxmlformats.org/officeDocument/2006/relationships" xmlns:p="http://schemas.openxmlformats.org/presentationml/2006/main">
   <p:cSld>
@@ -3782,131 +3930,6 @@
 </file>
 
 <file path=ppt/slides/slide6.xml><?xml version="1.0" encoding="utf-8"?>
-<p:sld xmlns:a="http://schemas.openxmlformats.org/drawingml/2006/main" xmlns:r="http://schemas.openxmlformats.org/officeDocument/2006/relationships" xmlns:p="http://schemas.openxmlformats.org/presentationml/2006/main">
-  <p:cSld>
-    <p:spTree>
-      <p:nvGrpSpPr>
-        <p:cNvPr id="1" name=""/>
-        <p:cNvGrpSpPr/>
-        <p:nvPr/>
-      </p:nvGrpSpPr>
-      <p:grpSpPr>
-        <a:xfrm>
-          <a:off x="0" y="0"/>
-          <a:ext cx="0" cy="0"/>
-          <a:chOff x="0" y="0"/>
-          <a:chExt cx="0" cy="0"/>
-        </a:xfrm>
-      </p:grpSpPr>
-      <p:sp>
-        <p:nvSpPr>
-          <p:cNvPr id="2" name="标题 1">
-            <a:extLst>
-              <a:ext uri="{FF2B5EF4-FFF2-40B4-BE49-F238E27FC236}">
-                <a16:creationId xmlns:a16="http://schemas.microsoft.com/office/drawing/2014/main" id="{7E365B0A-B43F-1346-9C46-028C8CF081FD}"/>
-              </a:ext>
-            </a:extLst>
-          </p:cNvPr>
-          <p:cNvSpPr>
-            <a:spLocks noGrp="1"/>
-          </p:cNvSpPr>
-          <p:nvPr>
-            <p:ph type="title"/>
-          </p:nvPr>
-        </p:nvSpPr>
-        <p:spPr/>
-        <p:txBody>
-          <a:bodyPr/>
-          <a:lstStyle/>
-          <a:p>
-            <a:r>
-              <a:rPr kumimoji="1" lang="zh-CN" altLang="en-US" dirty="0"/>
-              <a:t>继承</a:t>
-            </a:r>
-          </a:p>
-        </p:txBody>
-      </p:sp>
-      <p:sp>
-        <p:nvSpPr>
-          <p:cNvPr id="3" name="内容占位符 2">
-            <a:extLst>
-              <a:ext uri="{FF2B5EF4-FFF2-40B4-BE49-F238E27FC236}">
-                <a16:creationId xmlns:a16="http://schemas.microsoft.com/office/drawing/2014/main" id="{84D58B7B-82FB-9648-AD36-E97C33001BE0}"/>
-              </a:ext>
-            </a:extLst>
-          </p:cNvPr>
-          <p:cNvSpPr>
-            <a:spLocks noGrp="1"/>
-          </p:cNvSpPr>
-          <p:nvPr>
-            <p:ph idx="1"/>
-          </p:nvPr>
-        </p:nvSpPr>
-        <p:spPr/>
-        <p:txBody>
-          <a:bodyPr/>
-          <a:lstStyle/>
-          <a:p>
-            <a:r>
-              <a:rPr kumimoji="1" lang="zh-CN" altLang="en-US" dirty="0"/>
-              <a:t>原型链</a:t>
-            </a:r>
-            <a:endParaRPr kumimoji="1" lang="en-US" altLang="zh-CN" dirty="0"/>
-          </a:p>
-          <a:p>
-            <a:r>
-              <a:rPr kumimoji="1" lang="zh-CN" altLang="en-US" dirty="0"/>
-              <a:t>借用构造函数</a:t>
-            </a:r>
-            <a:endParaRPr kumimoji="1" lang="en-US" altLang="zh-CN" dirty="0"/>
-          </a:p>
-          <a:p>
-            <a:r>
-              <a:rPr kumimoji="1" lang="zh-CN" altLang="en-US" dirty="0"/>
-              <a:t>组合继承</a:t>
-            </a:r>
-            <a:endParaRPr kumimoji="1" lang="en-US" altLang="zh-CN" dirty="0"/>
-          </a:p>
-          <a:p>
-            <a:r>
-              <a:rPr kumimoji="1" lang="zh-CN" altLang="en-US" dirty="0"/>
-              <a:t>原型式继承</a:t>
-            </a:r>
-            <a:endParaRPr kumimoji="1" lang="en-US" altLang="zh-CN" dirty="0"/>
-          </a:p>
-          <a:p>
-            <a:r>
-              <a:rPr kumimoji="1" lang="zh-CN" altLang="en-US" dirty="0"/>
-              <a:t>寄生时继承</a:t>
-            </a:r>
-            <a:endParaRPr kumimoji="1" lang="en-US" altLang="zh-CN" dirty="0"/>
-          </a:p>
-          <a:p>
-            <a:r>
-              <a:rPr kumimoji="1" lang="zh-CN" altLang="en-US" dirty="0"/>
-              <a:t>寄生组合式继承</a:t>
-            </a:r>
-            <a:endParaRPr kumimoji="1" lang="en-US" altLang="zh-CN" dirty="0"/>
-          </a:p>
-          <a:p>
-            <a:endParaRPr kumimoji="1" lang="zh-CN" altLang="en-US" dirty="0"/>
-          </a:p>
-        </p:txBody>
-      </p:sp>
-    </p:spTree>
-    <p:extLst>
-      <p:ext uri="{BB962C8B-B14F-4D97-AF65-F5344CB8AC3E}">
-        <p14:creationId xmlns:p14="http://schemas.microsoft.com/office/powerpoint/2010/main" val="2395058293"/>
-      </p:ext>
-    </p:extLst>
-  </p:cSld>
-  <p:clrMapOvr>
-    <a:masterClrMapping/>
-  </p:clrMapOvr>
-</p:sld>
-</file>
-
-<file path=ppt/slides/slide7.xml><?xml version="1.0" encoding="utf-8"?>
 <p:sld xmlns:a="http://schemas.openxmlformats.org/drawingml/2006/main" xmlns:r="http://schemas.openxmlformats.org/officeDocument/2006/relationships" xmlns:p="http://schemas.openxmlformats.org/presentationml/2006/main">
   <p:cSld>
     <p:spTree>
